--- a/EmployeeHealthRecord.WFApp.v3/Presentation/Presentation-2020-04-28.pptx
+++ b/EmployeeHealthRecord.WFApp.v3/Presentation/Presentation-2020-04-28.pptx
@@ -9,8 +9,8 @@
     <p:sldId id="258" r:id="rId3"/>
     <p:sldId id="263" r:id="rId4"/>
     <p:sldId id="264" r:id="rId5"/>
-    <p:sldId id="260" r:id="rId6"/>
-    <p:sldId id="265" r:id="rId7"/>
+    <p:sldId id="265" r:id="rId6"/>
+    <p:sldId id="260" r:id="rId7"/>
     <p:sldId id="261" r:id="rId8"/>
     <p:sldId id="259" r:id="rId9"/>
   </p:sldIdLst>
@@ -3029,11 +3029,7 @@
             </a:pPr>
             <a:r>
               <a:rPr lang="en-US" altLang="zh-CN" dirty="0" smtClean="0"/>
-              <a:t>Usable, but only for </a:t>
-            </a:r>
-            <a:r>
-              <a:rPr lang="en-US" altLang="zh-CN" dirty="0" smtClean="0"/>
-              <a:t>technical users: command prompt, keyboard input</a:t>
+              <a:t>Usable, but only for technical users: command prompt, keyboard input</a:t>
             </a:r>
           </a:p>
           <a:p>
@@ -3084,15 +3080,7 @@
           <a:p>
             <a:r>
               <a:rPr lang="en-US" altLang="zh-CN" dirty="0" smtClean="0"/>
-              <a:t>For non-technical </a:t>
-            </a:r>
-            <a:r>
-              <a:rPr lang="en-US" altLang="zh-CN" dirty="0" smtClean="0"/>
-              <a:t>users: graphical interface, mouse </a:t>
-            </a:r>
-            <a:r>
-              <a:rPr lang="en-US" altLang="zh-CN" dirty="0" smtClean="0"/>
-              <a:t>click</a:t>
+              <a:t>For non-technical users: graphical interface, mouse click</a:t>
             </a:r>
           </a:p>
           <a:p>
@@ -3100,12 +3088,15 @@
               <a:rPr lang="en-US" altLang="zh-CN" dirty="0" smtClean="0"/>
               <a:t>Well designed for User Experience</a:t>
             </a:r>
-            <a:endParaRPr lang="en-US" altLang="zh-CN" dirty="0" smtClean="0"/>
           </a:p>
           <a:p>
             <a:r>
               <a:rPr lang="en-US" altLang="zh-CN" dirty="0" smtClean="0"/>
-              <a:t>More codes, more effort to develop and maintain</a:t>
+              <a:t>More </a:t>
+            </a:r>
+            <a:r>
+              <a:rPr lang="en-US" altLang="zh-CN" dirty="0" smtClean="0"/>
+              <a:t>effort to develop and maintain</a:t>
             </a:r>
             <a:endParaRPr lang="zh-CN" altLang="en-US" dirty="0"/>
           </a:p>
@@ -3199,7 +3190,6 @@
               <a:rPr lang="en-US" altLang="zh-CN" sz="3200" b="1" dirty="0" smtClean="0"/>
               <a:t>:</a:t>
             </a:r>
-            <a:endParaRPr lang="en-US" altLang="zh-CN" sz="3200" b="1" dirty="0" smtClean="0"/>
           </a:p>
           <a:p>
             <a:pPr lvl="1">
@@ -3209,11 +3199,7 @@
             </a:pPr>
             <a:r>
               <a:rPr lang="en-US" altLang="zh-CN" sz="2800" dirty="0" smtClean="0"/>
-              <a:t>Basic </a:t>
-            </a:r>
-            <a:r>
-              <a:rPr lang="en-US" altLang="zh-CN" sz="2800" dirty="0" smtClean="0"/>
-              <a:t>operations: add, edit, delete, load, save</a:t>
+              <a:t>Basic operations: add, edit, delete, load, save</a:t>
             </a:r>
           </a:p>
           <a:p>
@@ -3239,11 +3225,7 @@
             </a:pPr>
             <a:r>
               <a:rPr lang="en-US" altLang="zh-CN" sz="2800" dirty="0" smtClean="0"/>
-              <a:t>Shortcuts </a:t>
-            </a:r>
-            <a:r>
-              <a:rPr lang="en-US" altLang="zh-CN" sz="2800" dirty="0" smtClean="0"/>
-              <a:t>support</a:t>
+              <a:t>Shortcuts support</a:t>
             </a:r>
           </a:p>
           <a:p>
@@ -3516,7 +3498,11 @@
           <a:p>
             <a:r>
               <a:rPr lang="en-US" altLang="zh-CN" dirty="0" smtClean="0"/>
-              <a:t>Intro to components</a:t>
+              <a:t>Intro to </a:t>
+            </a:r>
+            <a:r>
+              <a:rPr lang="en-US" altLang="zh-CN" dirty="0" smtClean="0"/>
+              <a:t>interface</a:t>
             </a:r>
             <a:endParaRPr lang="zh-CN" altLang="en-US" dirty="0"/>
           </a:p>
@@ -5125,7 +5111,7 @@
       </p:grpSpPr>
       <p:sp>
         <p:nvSpPr>
-          <p:cNvPr id="2" name="标题 1"/>
+          <p:cNvPr id="6" name="标题 5"/>
           <p:cNvSpPr>
             <a:spLocks noGrp="1"/>
           </p:cNvSpPr>
@@ -5140,102 +5126,7 @@
           <a:p>
             <a:r>
               <a:rPr lang="en-US" altLang="zh-CN" dirty="0" smtClean="0"/>
-              <a:t>Why should people use it</a:t>
-            </a:r>
-            <a:endParaRPr lang="zh-CN" altLang="en-US" dirty="0"/>
-          </a:p>
-        </p:txBody>
-      </p:sp>
-      <p:sp>
-        <p:nvSpPr>
-          <p:cNvPr id="3" name="内容占位符 2"/>
-          <p:cNvSpPr>
-            <a:spLocks noGrp="1"/>
-          </p:cNvSpPr>
-          <p:nvPr>
-            <p:ph idx="1"/>
-          </p:nvPr>
-        </p:nvSpPr>
-        <p:spPr/>
-        <p:txBody>
-          <a:bodyPr/>
-          <a:lstStyle/>
-          <a:p>
-            <a:r>
-              <a:rPr lang="en-US" altLang="zh-CN" dirty="0" smtClean="0"/>
-              <a:t>Pleasing and clear UI</a:t>
-            </a:r>
-          </a:p>
-          <a:p>
-            <a:r>
-              <a:rPr lang="en-US" altLang="zh-CN" dirty="0" smtClean="0"/>
-              <a:t>Full-featured</a:t>
-            </a:r>
-          </a:p>
-          <a:p>
-            <a:r>
-              <a:rPr lang="en-US" altLang="zh-CN" dirty="0" smtClean="0"/>
-              <a:t>Simple and convenient </a:t>
-            </a:r>
-            <a:endParaRPr lang="zh-CN" altLang="en-US" dirty="0"/>
-          </a:p>
-        </p:txBody>
-      </p:sp>
-    </p:spTree>
-    <p:extLst>
-      <p:ext uri="{BB962C8B-B14F-4D97-AF65-F5344CB8AC3E}">
-        <p14:creationId xmlns:p14="http://schemas.microsoft.com/office/powerpoint/2010/main" val="3149515231"/>
-      </p:ext>
-    </p:extLst>
-  </p:cSld>
-  <p:clrMapOvr>
-    <a:masterClrMapping/>
-  </p:clrMapOvr>
-  <p:timing>
-    <p:tnLst>
-      <p:par>
-        <p:cTn id="1" dur="indefinite" restart="never" nodeType="tmRoot"/>
-      </p:par>
-    </p:tnLst>
-  </p:timing>
-</p:sld>
-</file>
-
-<file path=ppt/slides/slide6.xml><?xml version="1.0" encoding="utf-8"?>
-<p:sld xmlns:a="http://schemas.openxmlformats.org/drawingml/2006/main" xmlns:r="http://schemas.openxmlformats.org/officeDocument/2006/relationships" xmlns:p="http://schemas.openxmlformats.org/presentationml/2006/main">
-  <p:cSld>
-    <p:spTree>
-      <p:nvGrpSpPr>
-        <p:cNvPr id="1" name=""/>
-        <p:cNvGrpSpPr/>
-        <p:nvPr/>
-      </p:nvGrpSpPr>
-      <p:grpSpPr>
-        <a:xfrm>
-          <a:off x="0" y="0"/>
-          <a:ext cx="0" cy="0"/>
-          <a:chOff x="0" y="0"/>
-          <a:chExt cx="0" cy="0"/>
-        </a:xfrm>
-      </p:grpSpPr>
-      <p:sp>
-        <p:nvSpPr>
-          <p:cNvPr id="6" name="标题 5"/>
-          <p:cNvSpPr>
-            <a:spLocks noGrp="1"/>
-          </p:cNvSpPr>
-          <p:nvPr>
-            <p:ph type="title"/>
-          </p:nvPr>
-        </p:nvSpPr>
-        <p:spPr/>
-        <p:txBody>
-          <a:bodyPr/>
-          <a:lstStyle/>
-          <a:p>
-            <a:r>
-              <a:rPr lang="en-US" altLang="zh-CN" dirty="0"/>
-              <a:t>The solution presented by your project</a:t>
+              <a:t>Other features</a:t>
             </a:r>
             <a:endParaRPr lang="zh-CN" altLang="en-US" dirty="0"/>
           </a:p>
@@ -5925,7 +5816,7 @@
 </p:sld>
 </file>
 
-<file path=ppt/slides/slide7.xml><?xml version="1.0" encoding="utf-8"?>
+<file path=ppt/slides/slide6.xml><?xml version="1.0" encoding="utf-8"?>
 <p:sld xmlns:a="http://schemas.openxmlformats.org/drawingml/2006/main" xmlns:r="http://schemas.openxmlformats.org/officeDocument/2006/relationships" xmlns:p="http://schemas.openxmlformats.org/presentationml/2006/main">
   <p:cSld>
     <p:spTree>
@@ -5958,8 +5849,161 @@
           <a:lstStyle/>
           <a:p>
             <a:r>
-              <a:rPr lang="en-US" altLang="zh-CN" smtClean="0"/>
-              <a:t>Who developed it and how it was be developed</a:t>
+              <a:rPr lang="en-US" altLang="zh-CN" dirty="0" smtClean="0"/>
+              <a:t>Why should people use it</a:t>
+            </a:r>
+            <a:endParaRPr lang="zh-CN" altLang="en-US" dirty="0"/>
+          </a:p>
+        </p:txBody>
+      </p:sp>
+      <p:sp>
+        <p:nvSpPr>
+          <p:cNvPr id="3" name="内容占位符 2"/>
+          <p:cNvSpPr>
+            <a:spLocks noGrp="1"/>
+          </p:cNvSpPr>
+          <p:nvPr>
+            <p:ph idx="1"/>
+          </p:nvPr>
+        </p:nvSpPr>
+        <p:spPr>
+          <a:xfrm>
+            <a:off x="838200" y="1825625"/>
+            <a:ext cx="9757528" cy="4351338"/>
+          </a:xfrm>
+        </p:spPr>
+        <p:txBody>
+          <a:bodyPr/>
+          <a:lstStyle/>
+          <a:p>
+            <a:pPr>
+              <a:lnSpc>
+                <a:spcPct val="150000"/>
+              </a:lnSpc>
+            </a:pPr>
+            <a:r>
+              <a:rPr lang="en-US" altLang="zh-CN" dirty="0" smtClean="0"/>
+              <a:t>Clean and consistent interface</a:t>
+            </a:r>
+            <a:endParaRPr lang="en-US" altLang="zh-CN" dirty="0" smtClean="0"/>
+          </a:p>
+          <a:p>
+            <a:pPr>
+              <a:lnSpc>
+                <a:spcPct val="150000"/>
+              </a:lnSpc>
+            </a:pPr>
+            <a:r>
+              <a:rPr lang="en-US" altLang="zh-CN" dirty="0" smtClean="0"/>
+              <a:t>Full-featured while easy to use</a:t>
+            </a:r>
+          </a:p>
+          <a:p>
+            <a:pPr>
+              <a:lnSpc>
+                <a:spcPct val="150000"/>
+              </a:lnSpc>
+            </a:pPr>
+            <a:r>
+              <a:rPr lang="en-US" altLang="zh-CN" dirty="0" smtClean="0"/>
+              <a:t>Free &amp; open source</a:t>
+            </a:r>
+            <a:endParaRPr lang="en-US" altLang="zh-CN" dirty="0"/>
+          </a:p>
+          <a:p>
+            <a:pPr>
+              <a:lnSpc>
+                <a:spcPct val="150000"/>
+              </a:lnSpc>
+            </a:pPr>
+            <a:r>
+              <a:rPr lang="en-US" altLang="zh-CN" dirty="0"/>
+              <a:t>Active </a:t>
+            </a:r>
+            <a:r>
+              <a:rPr lang="en-US" altLang="zh-CN" dirty="0" smtClean="0"/>
+              <a:t>development</a:t>
+            </a:r>
+            <a:r>
+              <a:rPr lang="en-US" altLang="zh-CN" dirty="0"/>
+              <a:t>, integrated with users </a:t>
+            </a:r>
+            <a:r>
+              <a:rPr lang="en-US" altLang="zh-CN" dirty="0" smtClean="0"/>
+              <a:t>needs</a:t>
+            </a:r>
+            <a:endParaRPr lang="zh-CN" altLang="en-US" dirty="0"/>
+          </a:p>
+        </p:txBody>
+      </p:sp>
+    </p:spTree>
+    <p:extLst>
+      <p:ext uri="{BB962C8B-B14F-4D97-AF65-F5344CB8AC3E}">
+        <p14:creationId xmlns:p14="http://schemas.microsoft.com/office/powerpoint/2010/main" val="3149515231"/>
+      </p:ext>
+    </p:extLst>
+  </p:cSld>
+  <p:clrMapOvr>
+    <a:masterClrMapping/>
+  </p:clrMapOvr>
+  <p:timing>
+    <p:tnLst>
+      <p:par>
+        <p:cTn id="1" dur="indefinite" restart="never" nodeType="tmRoot"/>
+      </p:par>
+    </p:tnLst>
+  </p:timing>
+</p:sld>
+</file>
+
+<file path=ppt/slides/slide7.xml><?xml version="1.0" encoding="utf-8"?>
+<p:sld xmlns:a="http://schemas.openxmlformats.org/drawingml/2006/main" xmlns:r="http://schemas.openxmlformats.org/officeDocument/2006/relationships" xmlns:p="http://schemas.openxmlformats.org/presentationml/2006/main" show="0">
+  <p:cSld>
+    <p:spTree>
+      <p:nvGrpSpPr>
+        <p:cNvPr id="1" name=""/>
+        <p:cNvGrpSpPr/>
+        <p:nvPr/>
+      </p:nvGrpSpPr>
+      <p:grpSpPr>
+        <a:xfrm>
+          <a:off x="0" y="0"/>
+          <a:ext cx="0" cy="0"/>
+          <a:chOff x="0" y="0"/>
+          <a:chExt cx="0" cy="0"/>
+        </a:xfrm>
+      </p:grpSpPr>
+      <p:sp>
+        <p:nvSpPr>
+          <p:cNvPr id="2" name="标题 1"/>
+          <p:cNvSpPr>
+            <a:spLocks noGrp="1"/>
+          </p:cNvSpPr>
+          <p:nvPr>
+            <p:ph type="title"/>
+          </p:nvPr>
+        </p:nvSpPr>
+        <p:spPr>
+          <a:xfrm>
+            <a:off x="838199" y="365125"/>
+            <a:ext cx="10709635" cy="1325563"/>
+          </a:xfrm>
+        </p:spPr>
+        <p:txBody>
+          <a:bodyPr/>
+          <a:lstStyle/>
+          <a:p>
+            <a:r>
+              <a:rPr lang="en-US" altLang="zh-CN" dirty="0" smtClean="0"/>
+              <a:t>Who developed it and how it </a:t>
+            </a:r>
+            <a:r>
+              <a:rPr lang="en-US" altLang="zh-CN" dirty="0" smtClean="0"/>
+              <a:t>was </a:t>
+            </a:r>
+            <a:r>
+              <a:rPr lang="en-US" altLang="zh-CN" dirty="0" smtClean="0"/>
+              <a:t>developed</a:t>
             </a:r>
             <a:endParaRPr lang="zh-CN" altLang="en-US" dirty="0"/>
           </a:p>
@@ -5984,7 +6028,7 @@
               <a:buAutoNum type="arabicPeriod"/>
             </a:pPr>
             <a:r>
-              <a:rPr lang="en-US" altLang="zh-CN" smtClean="0"/>
+              <a:rPr lang="en-US" altLang="zh-CN" dirty="0" smtClean="0"/>
               <a:t>Personal ideas</a:t>
             </a:r>
           </a:p>
@@ -5993,7 +6037,7 @@
               <a:buAutoNum type="arabicPeriod"/>
             </a:pPr>
             <a:r>
-              <a:rPr lang="en-US" altLang="zh-CN" smtClean="0"/>
+              <a:rPr lang="en-US" altLang="zh-CN" dirty="0" smtClean="0"/>
               <a:t>Learn from others design</a:t>
             </a:r>
           </a:p>
@@ -6002,7 +6046,7 @@
               <a:buAutoNum type="arabicPeriod"/>
             </a:pPr>
             <a:r>
-              <a:rPr lang="en-US" altLang="zh-CN" smtClean="0"/>
+              <a:rPr lang="en-US" altLang="zh-CN" dirty="0" smtClean="0"/>
               <a:t>Feedback to and from model</a:t>
             </a:r>
           </a:p>
@@ -6011,10 +6055,9 @@
               <a:buAutoNum type="arabicPeriod"/>
             </a:pPr>
             <a:r>
-              <a:rPr lang="en-US" altLang="zh-CN" smtClean="0"/>
+              <a:rPr lang="en-US" altLang="zh-CN" dirty="0" smtClean="0"/>
               <a:t>Deliverable version</a:t>
             </a:r>
-            <a:endParaRPr lang="en-US" altLang="zh-CN" dirty="0" smtClean="0"/>
           </a:p>
         </p:txBody>
       </p:sp>
@@ -6057,6 +6100,14 @@
   <p:clrMapOvr>
     <a:masterClrMapping/>
   </p:clrMapOvr>
+  <mc:AlternateContent xmlns:mc="http://schemas.openxmlformats.org/markup-compatibility/2006">
+    <mc:Choice xmlns:p14="http://schemas.microsoft.com/office/powerpoint/2010/main" Requires="p14">
+      <p:transition spd="slow" p14:dur="2000"/>
+    </mc:Choice>
+    <mc:Fallback>
+      <p:transition spd="slow"/>
+    </mc:Fallback>
+  </mc:AlternateContent>
   <p:timing>
     <p:tnLst>
       <p:par>
@@ -6159,11 +6210,11 @@
   <p:clrMapOvr>
     <a:masterClrMapping/>
   </p:clrMapOvr>
-  <mc:AlternateContent xmlns:mc="http://schemas.openxmlformats.org/markup-compatibility/2006">
-    <mc:Choice xmlns:p14="http://schemas.microsoft.com/office/powerpoint/2010/main" Requires="p14">
+  <mc:AlternateContent xmlns:mc="http://schemas.openxmlformats.org/markup-compatibility/2006" xmlns:p14="http://schemas.microsoft.com/office/powerpoint/2010/main">
+    <mc:Choice Requires="p14">
       <p:transition spd="slow" p14:dur="2000"/>
     </mc:Choice>
-    <mc:Fallback>
+    <mc:Fallback xmlns="">
       <p:transition spd="slow"/>
     </mc:Fallback>
   </mc:AlternateContent>
